--- a/12_ブース設計図/ブース設計図.pptx
+++ b/12_ブース設計図/ブース設計図.pptx
@@ -247,7 +247,7 @@
           <a:p>
             <a:fld id="{3C65786E-3F88-4773-8ADE-C5710A5FBB27}" type="datetimeFigureOut">
               <a:rPr kumimoji="1" lang="ja-JP" altLang="en-US" smtClean="0"/>
-              <a:t>2019/10/9</a:t>
+              <a:t>2019/12/4</a:t>
             </a:fld>
             <a:endParaRPr kumimoji="1" lang="ja-JP" altLang="en-US"/>
           </a:p>
@@ -449,7 +449,7 @@
           <a:p>
             <a:fld id="{3C65786E-3F88-4773-8ADE-C5710A5FBB27}" type="datetimeFigureOut">
               <a:rPr kumimoji="1" lang="ja-JP" altLang="en-US" smtClean="0"/>
-              <a:t>2019/10/9</a:t>
+              <a:t>2019/12/4</a:t>
             </a:fld>
             <a:endParaRPr kumimoji="1" lang="ja-JP" altLang="en-US"/>
           </a:p>
@@ -661,7 +661,7 @@
           <a:p>
             <a:fld id="{3C65786E-3F88-4773-8ADE-C5710A5FBB27}" type="datetimeFigureOut">
               <a:rPr kumimoji="1" lang="ja-JP" altLang="en-US" smtClean="0"/>
-              <a:t>2019/10/9</a:t>
+              <a:t>2019/12/4</a:t>
             </a:fld>
             <a:endParaRPr kumimoji="1" lang="ja-JP" altLang="en-US"/>
           </a:p>
@@ -863,7 +863,7 @@
           <a:p>
             <a:fld id="{3C65786E-3F88-4773-8ADE-C5710A5FBB27}" type="datetimeFigureOut">
               <a:rPr kumimoji="1" lang="ja-JP" altLang="en-US" smtClean="0"/>
-              <a:t>2019/10/9</a:t>
+              <a:t>2019/12/4</a:t>
             </a:fld>
             <a:endParaRPr kumimoji="1" lang="ja-JP" altLang="en-US"/>
           </a:p>
@@ -1107,7 +1107,7 @@
           <a:p>
             <a:fld id="{3C65786E-3F88-4773-8ADE-C5710A5FBB27}" type="datetimeFigureOut">
               <a:rPr kumimoji="1" lang="ja-JP" altLang="en-US" smtClean="0"/>
-              <a:t>2019/10/9</a:t>
+              <a:t>2019/12/4</a:t>
             </a:fld>
             <a:endParaRPr kumimoji="1" lang="ja-JP" altLang="en-US"/>
           </a:p>
@@ -1403,7 +1403,7 @@
           <a:p>
             <a:fld id="{3C65786E-3F88-4773-8ADE-C5710A5FBB27}" type="datetimeFigureOut">
               <a:rPr kumimoji="1" lang="ja-JP" altLang="en-US" smtClean="0"/>
-              <a:t>2019/10/9</a:t>
+              <a:t>2019/12/4</a:t>
             </a:fld>
             <a:endParaRPr kumimoji="1" lang="ja-JP" altLang="en-US"/>
           </a:p>
@@ -1834,7 +1834,7 @@
           <a:p>
             <a:fld id="{3C65786E-3F88-4773-8ADE-C5710A5FBB27}" type="datetimeFigureOut">
               <a:rPr kumimoji="1" lang="ja-JP" altLang="en-US" smtClean="0"/>
-              <a:t>2019/10/9</a:t>
+              <a:t>2019/12/4</a:t>
             </a:fld>
             <a:endParaRPr kumimoji="1" lang="ja-JP" altLang="en-US"/>
           </a:p>
@@ -1952,7 +1952,7 @@
           <a:p>
             <a:fld id="{3C65786E-3F88-4773-8ADE-C5710A5FBB27}" type="datetimeFigureOut">
               <a:rPr kumimoji="1" lang="ja-JP" altLang="en-US" smtClean="0"/>
-              <a:t>2019/10/9</a:t>
+              <a:t>2019/12/4</a:t>
             </a:fld>
             <a:endParaRPr kumimoji="1" lang="ja-JP" altLang="en-US"/>
           </a:p>
@@ -2047,7 +2047,7 @@
           <a:p>
             <a:fld id="{3C65786E-3F88-4773-8ADE-C5710A5FBB27}" type="datetimeFigureOut">
               <a:rPr kumimoji="1" lang="ja-JP" altLang="en-US" smtClean="0"/>
-              <a:t>2019/10/9</a:t>
+              <a:t>2019/12/4</a:t>
             </a:fld>
             <a:endParaRPr kumimoji="1" lang="ja-JP" altLang="en-US"/>
           </a:p>
@@ -2356,7 +2356,7 @@
           <a:p>
             <a:fld id="{3C65786E-3F88-4773-8ADE-C5710A5FBB27}" type="datetimeFigureOut">
               <a:rPr kumimoji="1" lang="ja-JP" altLang="en-US" smtClean="0"/>
-              <a:t>2019/10/9</a:t>
+              <a:t>2019/12/4</a:t>
             </a:fld>
             <a:endParaRPr kumimoji="1" lang="ja-JP" altLang="en-US"/>
           </a:p>
@@ -2613,7 +2613,7 @@
           <a:p>
             <a:fld id="{3C65786E-3F88-4773-8ADE-C5710A5FBB27}" type="datetimeFigureOut">
               <a:rPr kumimoji="1" lang="ja-JP" altLang="en-US" smtClean="0"/>
-              <a:t>2019/10/9</a:t>
+              <a:t>2019/12/4</a:t>
             </a:fld>
             <a:endParaRPr kumimoji="1" lang="ja-JP" altLang="en-US"/>
           </a:p>
@@ -2858,7 +2858,7 @@
           <a:p>
             <a:fld id="{3C65786E-3F88-4773-8ADE-C5710A5FBB27}" type="datetimeFigureOut">
               <a:rPr kumimoji="1" lang="ja-JP" altLang="en-US" smtClean="0"/>
-              <a:t>2019/10/9</a:t>
+              <a:t>2019/12/4</a:t>
             </a:fld>
             <a:endParaRPr kumimoji="1" lang="ja-JP" altLang="en-US"/>
           </a:p>
@@ -5494,7 +5494,7 @@
         <p:spPr>
           <a:xfrm>
             <a:off x="247649" y="2272712"/>
-            <a:ext cx="5876925" cy="3416320"/>
+            <a:ext cx="5876925" cy="2677656"/>
           </a:xfrm>
           <a:prstGeom prst="rect">
             <a:avLst/>
@@ -5526,14 +5526,7 @@
                 <a:latin typeface="HGS明朝E" panose="02020900000000000000" pitchFamily="18" charset="-128"/>
                 <a:ea typeface="HGS明朝E" panose="02020900000000000000" pitchFamily="18" charset="-128"/>
               </a:rPr>
-              <a:t>ページ</a:t>
-            </a:r>
-            <a:r>
-              <a:rPr lang="ja-JP" altLang="en-US" sz="2400" dirty="0" smtClean="0">
-                <a:latin typeface="HGS明朝E" panose="02020900000000000000" pitchFamily="18" charset="-128"/>
-                <a:ea typeface="HGS明朝E" panose="02020900000000000000" pitchFamily="18" charset="-128"/>
-              </a:rPr>
-              <a:t>参考</a:t>
+              <a:t>ページ参考</a:t>
             </a:r>
             <a:r>
               <a:rPr lang="en-US" altLang="ja-JP" sz="2400" dirty="0" smtClean="0">
@@ -5665,77 +5658,6 @@
               <a:latin typeface="HGS明朝E" panose="02020900000000000000" pitchFamily="18" charset="-128"/>
               <a:ea typeface="HGS明朝E" panose="02020900000000000000" pitchFamily="18" charset="-128"/>
             </a:endParaRPr>
-          </a:p>
-          <a:p>
-            <a:r>
-              <a:rPr lang="ja-JP" altLang="en-US" sz="2400" dirty="0" smtClean="0">
-                <a:latin typeface="HGS明朝E" panose="02020900000000000000" pitchFamily="18" charset="-128"/>
-                <a:ea typeface="HGS明朝E" panose="02020900000000000000" pitchFamily="18" charset="-128"/>
-              </a:rPr>
-              <a:t>･</a:t>
-            </a:r>
-            <a:r>
-              <a:rPr lang="ja-JP" altLang="en-US" sz="2400" dirty="0">
-                <a:latin typeface="HGS明朝E" panose="02020900000000000000" pitchFamily="18" charset="-128"/>
-                <a:ea typeface="HGS明朝E" panose="02020900000000000000" pitchFamily="18" charset="-128"/>
-              </a:rPr>
-              <a:t>シャンデリア</a:t>
-            </a:r>
-            <a:r>
-              <a:rPr lang="en-US" altLang="ja-JP" sz="2400" dirty="0" smtClean="0">
-                <a:latin typeface="HGS明朝E" panose="02020900000000000000" pitchFamily="18" charset="-128"/>
-                <a:ea typeface="HGS明朝E" panose="02020900000000000000" pitchFamily="18" charset="-128"/>
-              </a:rPr>
-              <a:t>(</a:t>
-            </a:r>
-            <a:r>
-              <a:rPr lang="ja-JP" altLang="en-US" sz="2400" dirty="0">
-                <a:latin typeface="HGS明朝E" panose="02020900000000000000" pitchFamily="18" charset="-128"/>
-                <a:ea typeface="HGS明朝E" panose="02020900000000000000" pitchFamily="18" charset="-128"/>
-              </a:rPr>
-              <a:t>段ボール</a:t>
-            </a:r>
-            <a:r>
-              <a:rPr lang="en-US" altLang="ja-JP" sz="2400" dirty="0" smtClean="0">
-                <a:latin typeface="HGS明朝E" panose="02020900000000000000" pitchFamily="18" charset="-128"/>
-                <a:ea typeface="HGS明朝E" panose="02020900000000000000" pitchFamily="18" charset="-128"/>
-              </a:rPr>
-              <a:t>)</a:t>
-            </a:r>
-            <a:endParaRPr kumimoji="1" lang="en-US" altLang="ja-JP" sz="2400" dirty="0" smtClean="0">
-              <a:latin typeface="HGS明朝E" panose="02020900000000000000" pitchFamily="18" charset="-128"/>
-              <a:ea typeface="HGS明朝E" panose="02020900000000000000" pitchFamily="18" charset="-128"/>
-            </a:endParaRPr>
-          </a:p>
-          <a:p>
-            <a:r>
-              <a:rPr lang="ja-JP" altLang="en-US" sz="2400" dirty="0">
-                <a:latin typeface="HGS明朝E" panose="02020900000000000000" pitchFamily="18" charset="-128"/>
-                <a:ea typeface="HGS明朝E" panose="02020900000000000000" pitchFamily="18" charset="-128"/>
-              </a:rPr>
-              <a:t>･ワインセラー</a:t>
-            </a:r>
-            <a:r>
-              <a:rPr lang="en-US" altLang="ja-JP" sz="2400" dirty="0" smtClean="0">
-                <a:latin typeface="HGS明朝E" panose="02020900000000000000" pitchFamily="18" charset="-128"/>
-                <a:ea typeface="HGS明朝E" panose="02020900000000000000" pitchFamily="18" charset="-128"/>
-              </a:rPr>
-              <a:t>(</a:t>
-            </a:r>
-            <a:r>
-              <a:rPr lang="ja-JP" altLang="en-US" sz="2400" dirty="0" smtClean="0">
-                <a:latin typeface="HGS明朝E" panose="02020900000000000000" pitchFamily="18" charset="-128"/>
-                <a:ea typeface="HGS明朝E" panose="02020900000000000000" pitchFamily="18" charset="-128"/>
-              </a:rPr>
-              <a:t>段ボール</a:t>
-            </a:r>
-            <a:r>
-              <a:rPr lang="en-US" altLang="ja-JP" sz="2400" dirty="0" smtClean="0">
-                <a:latin typeface="HGS明朝E" panose="02020900000000000000" pitchFamily="18" charset="-128"/>
-                <a:ea typeface="HGS明朝E" panose="02020900000000000000" pitchFamily="18" charset="-128"/>
-              </a:rPr>
-              <a:t>)</a:t>
-            </a:r>
           </a:p>
           <a:p>
             <a:r>
@@ -6342,14 +6264,7 @@
                 <a:latin typeface="HGS明朝E" panose="02020900000000000000" pitchFamily="18" charset="-128"/>
                 <a:ea typeface="HGS明朝E" panose="02020900000000000000" pitchFamily="18" charset="-128"/>
               </a:rPr>
-              <a:t>筐体に</a:t>
-            </a:r>
-            <a:r>
-              <a:rPr lang="ja-JP" altLang="en-US" sz="4000" dirty="0" smtClean="0">
-                <a:latin typeface="HGS明朝E" panose="02020900000000000000" pitchFamily="18" charset="-128"/>
-                <a:ea typeface="HGS明朝E" panose="02020900000000000000" pitchFamily="18" charset="-128"/>
-              </a:rPr>
-              <a:t>ついて</a:t>
+              <a:t>筐体について</a:t>
             </a:r>
             <a:endParaRPr kumimoji="1" lang="ja-JP" altLang="en-US" sz="4000" dirty="0">
               <a:latin typeface="HGS明朝E" panose="02020900000000000000" pitchFamily="18" charset="-128"/>
@@ -6625,105 +6540,63 @@
                 <a:latin typeface="HGS明朝E" panose="02020900000000000000" pitchFamily="18" charset="-128"/>
                 <a:ea typeface="HGS明朝E" panose="02020900000000000000" pitchFamily="18" charset="-128"/>
               </a:rPr>
-              <a:t>･モニター</a:t>
+              <a:t>･モニターの上部に</a:t>
+            </a:r>
+            <a:r>
+              <a:rPr lang="en-US" altLang="ja-JP" sz="2400" dirty="0" smtClean="0">
+                <a:latin typeface="HGS明朝E" panose="02020900000000000000" pitchFamily="18" charset="-128"/>
+                <a:ea typeface="HGS明朝E" panose="02020900000000000000" pitchFamily="18" charset="-128"/>
+              </a:rPr>
+              <a:t>Web</a:t>
             </a:r>
             <a:r>
               <a:rPr lang="ja-JP" altLang="en-US" sz="2400" dirty="0" smtClean="0">
                 <a:latin typeface="HGS明朝E" panose="02020900000000000000" pitchFamily="18" charset="-128"/>
                 <a:ea typeface="HGS明朝E" panose="02020900000000000000" pitchFamily="18" charset="-128"/>
               </a:rPr>
-              <a:t>の上部に</a:t>
+              <a:t>カメラを</a:t>
             </a:r>
             <a:r>
               <a:rPr lang="en-US" altLang="ja-JP" sz="2400" dirty="0" smtClean="0">
                 <a:latin typeface="HGS明朝E" panose="02020900000000000000" pitchFamily="18" charset="-128"/>
                 <a:ea typeface="HGS明朝E" panose="02020900000000000000" pitchFamily="18" charset="-128"/>
               </a:rPr>
-              <a:t>Web</a:t>
+              <a:t>4</a:t>
             </a:r>
             <a:r>
               <a:rPr lang="ja-JP" altLang="en-US" sz="2400" dirty="0" smtClean="0">
                 <a:latin typeface="HGS明朝E" panose="02020900000000000000" pitchFamily="18" charset="-128"/>
                 <a:ea typeface="HGS明朝E" panose="02020900000000000000" pitchFamily="18" charset="-128"/>
               </a:rPr>
-              <a:t>カメラを</a:t>
+              <a:t>台仕込み、プレイヤーの顔を映せるようにする。</a:t>
+            </a:r>
+            <a:r>
+              <a:rPr lang="ja-JP" altLang="en-US" sz="2400" dirty="0">
+                <a:latin typeface="HGS明朝E" panose="02020900000000000000" pitchFamily="18" charset="-128"/>
+                <a:ea typeface="HGS明朝E" panose="02020900000000000000" pitchFamily="18" charset="-128"/>
+              </a:rPr>
+              <a:t>　</a:t>
+            </a:r>
+            <a:r>
+              <a:rPr lang="ja-JP" altLang="en-US" sz="2400" dirty="0" smtClean="0">
+                <a:latin typeface="HGS明朝E" panose="02020900000000000000" pitchFamily="18" charset="-128"/>
+                <a:ea typeface="HGS明朝E" panose="02020900000000000000" pitchFamily="18" charset="-128"/>
+              </a:rPr>
+              <a:t>　　　　</a:t>
             </a:r>
             <a:r>
               <a:rPr lang="en-US" altLang="ja-JP" sz="2400" dirty="0" smtClean="0">
                 <a:latin typeface="HGS明朝E" panose="02020900000000000000" pitchFamily="18" charset="-128"/>
                 <a:ea typeface="HGS明朝E" panose="02020900000000000000" pitchFamily="18" charset="-128"/>
               </a:rPr>
-              <a:t>4</a:t>
+              <a:t>				(※5</a:t>
             </a:r>
             <a:r>
               <a:rPr lang="ja-JP" altLang="en-US" sz="2400" dirty="0" smtClean="0">
                 <a:latin typeface="HGS明朝E" panose="02020900000000000000" pitchFamily="18" charset="-128"/>
                 <a:ea typeface="HGS明朝E" panose="02020900000000000000" pitchFamily="18" charset="-128"/>
               </a:rPr>
-              <a:t>台</a:t>
-            </a:r>
-            <a:r>
-              <a:rPr lang="ja-JP" altLang="en-US" sz="2400" dirty="0" smtClean="0">
-                <a:latin typeface="HGS明朝E" panose="02020900000000000000" pitchFamily="18" charset="-128"/>
-                <a:ea typeface="HGS明朝E" panose="02020900000000000000" pitchFamily="18" charset="-128"/>
-              </a:rPr>
-              <a:t>仕込み、プレイヤーの顔を映せるように</a:t>
-            </a:r>
-            <a:r>
-              <a:rPr lang="ja-JP" altLang="en-US" sz="2400" dirty="0" smtClean="0">
-                <a:latin typeface="HGS明朝E" panose="02020900000000000000" pitchFamily="18" charset="-128"/>
-                <a:ea typeface="HGS明朝E" panose="02020900000000000000" pitchFamily="18" charset="-128"/>
-              </a:rPr>
-              <a:t>する</a:t>
-            </a:r>
-            <a:r>
-              <a:rPr lang="ja-JP" altLang="en-US" sz="2400" dirty="0" smtClean="0">
-                <a:latin typeface="HGS明朝E" panose="02020900000000000000" pitchFamily="18" charset="-128"/>
-                <a:ea typeface="HGS明朝E" panose="02020900000000000000" pitchFamily="18" charset="-128"/>
-              </a:rPr>
-              <a:t>。</a:t>
-            </a:r>
-            <a:r>
-              <a:rPr lang="ja-JP" altLang="en-US" sz="2400" dirty="0">
-                <a:latin typeface="HGS明朝E" panose="02020900000000000000" pitchFamily="18" charset="-128"/>
-                <a:ea typeface="HGS明朝E" panose="02020900000000000000" pitchFamily="18" charset="-128"/>
-              </a:rPr>
-              <a:t>　</a:t>
-            </a:r>
-            <a:r>
-              <a:rPr lang="ja-JP" altLang="en-US" sz="2400" dirty="0" smtClean="0">
-                <a:latin typeface="HGS明朝E" panose="02020900000000000000" pitchFamily="18" charset="-128"/>
-                <a:ea typeface="HGS明朝E" panose="02020900000000000000" pitchFamily="18" charset="-128"/>
-              </a:rPr>
-              <a:t>　　　　</a:t>
-            </a:r>
-            <a:r>
-              <a:rPr lang="en-US" altLang="ja-JP" sz="2400" dirty="0" smtClean="0">
-                <a:latin typeface="HGS明朝E" panose="02020900000000000000" pitchFamily="18" charset="-128"/>
-                <a:ea typeface="HGS明朝E" panose="02020900000000000000" pitchFamily="18" charset="-128"/>
-              </a:rPr>
-              <a:t>				</a:t>
-            </a:r>
-            <a:r>
-              <a:rPr lang="en-US" altLang="ja-JP" sz="2400" dirty="0" smtClean="0">
-                <a:latin typeface="HGS明朝E" panose="02020900000000000000" pitchFamily="18" charset="-128"/>
-                <a:ea typeface="HGS明朝E" panose="02020900000000000000" pitchFamily="18" charset="-128"/>
-              </a:rPr>
-              <a:t>(※5</a:t>
-            </a:r>
-            <a:r>
-              <a:rPr lang="ja-JP" altLang="en-US" sz="2400" dirty="0" smtClean="0">
-                <a:latin typeface="HGS明朝E" panose="02020900000000000000" pitchFamily="18" charset="-128"/>
-                <a:ea typeface="HGS明朝E" panose="02020900000000000000" pitchFamily="18" charset="-128"/>
-              </a:rPr>
-              <a:t>ページ</a:t>
-            </a:r>
-            <a:r>
-              <a:rPr lang="ja-JP" altLang="en-US" sz="2400" dirty="0" smtClean="0">
-                <a:latin typeface="HGS明朝E" panose="02020900000000000000" pitchFamily="18" charset="-128"/>
-                <a:ea typeface="HGS明朝E" panose="02020900000000000000" pitchFamily="18" charset="-128"/>
-              </a:rPr>
-              <a:t>参考</a:t>
+              <a:t>ページ参考</a:t>
             </a:r>
             <a:r>
               <a:rPr lang="en-US" altLang="ja-JP" sz="2400" dirty="0" smtClean="0">
@@ -7123,14 +6996,7 @@
                 <a:latin typeface="HGS明朝E" panose="02020900000000000000" pitchFamily="18" charset="-128"/>
                 <a:ea typeface="HGS明朝E" panose="02020900000000000000" pitchFamily="18" charset="-128"/>
               </a:rPr>
-              <a:t>ロゴの</a:t>
-            </a:r>
-            <a:r>
-              <a:rPr lang="ja-JP" altLang="en-US" sz="2400" dirty="0" smtClean="0">
-                <a:latin typeface="HGS明朝E" panose="02020900000000000000" pitchFamily="18" charset="-128"/>
-                <a:ea typeface="HGS明朝E" panose="02020900000000000000" pitchFamily="18" charset="-128"/>
-              </a:rPr>
-              <a:t>イメージ</a:t>
+              <a:t>ロゴのイメージ</a:t>
             </a:r>
             <a:endParaRPr kumimoji="1" lang="ja-JP" altLang="en-US" sz="2400" dirty="0">
               <a:latin typeface="HGS明朝E" panose="02020900000000000000" pitchFamily="18" charset="-128"/>
@@ -7544,18 +7410,6 @@
               </a:rPr>
               <a:t>ホール左側手前</a:t>
             </a:r>
-            <a:endParaRPr lang="ja-JP" altLang="en-US" b="1" dirty="0">
-              <a:ln>
-                <a:solidFill>
-                  <a:schemeClr val="tx1"/>
-                </a:solidFill>
-              </a:ln>
-              <a:solidFill>
-                <a:srgbClr val="FF0000"/>
-              </a:solidFill>
-              <a:latin typeface="HGS明朝E" panose="02020900000000000000" pitchFamily="18" charset="-128"/>
-              <a:ea typeface="HGS明朝E" panose="02020900000000000000" pitchFamily="18" charset="-128"/>
-            </a:endParaRPr>
           </a:p>
         </p:txBody>
       </p:sp>

--- a/12_ブース設計図/ブース設計図.pptx
+++ b/12_ブース設計図/ブース設計図.pptx
@@ -5889,14 +5889,21 @@
                 <a:latin typeface="HGS明朝E" panose="02020900000000000000" pitchFamily="18" charset="-128"/>
                 <a:ea typeface="HGS明朝E" panose="02020900000000000000" pitchFamily="18" charset="-128"/>
               </a:rPr>
-              <a:t>･アケコン</a:t>
+              <a:t>･</a:t>
+            </a:r>
+            <a:r>
+              <a:rPr lang="ja-JP" altLang="en-US" sz="2400" dirty="0" smtClean="0">
+                <a:latin typeface="HGS明朝E" panose="02020900000000000000" pitchFamily="18" charset="-128"/>
+                <a:ea typeface="HGS明朝E" panose="02020900000000000000" pitchFamily="18" charset="-128"/>
+              </a:rPr>
+              <a:t>専用コントローラー</a:t>
             </a:r>
             <a:r>
               <a:rPr kumimoji="1" lang="en-US" altLang="ja-JP" sz="2400" dirty="0" smtClean="0">
                 <a:latin typeface="HGS明朝E" panose="02020900000000000000" pitchFamily="18" charset="-128"/>
                 <a:ea typeface="HGS明朝E" panose="02020900000000000000" pitchFamily="18" charset="-128"/>
               </a:rPr>
-              <a:t>			4</a:t>
+              <a:t>	4</a:t>
             </a:r>
             <a:r>
               <a:rPr kumimoji="1" lang="ja-JP" altLang="en-US" sz="2400" dirty="0" smtClean="0">
@@ -6032,28 +6039,7 @@
                 <a:latin typeface="HGS明朝E" panose="02020900000000000000" pitchFamily="18" charset="-128"/>
                 <a:ea typeface="HGS明朝E" panose="02020900000000000000" pitchFamily="18" charset="-128"/>
               </a:rPr>
-              <a:t>(</a:t>
-            </a:r>
-            <a:r>
-              <a:rPr lang="ja-JP" altLang="en-US" sz="2400" dirty="0" smtClean="0">
-                <a:latin typeface="HGS明朝E" panose="02020900000000000000" pitchFamily="18" charset="-128"/>
-                <a:ea typeface="HGS明朝E" panose="02020900000000000000" pitchFamily="18" charset="-128"/>
-              </a:rPr>
-              <a:t>購入未定</a:t>
-            </a:r>
-            <a:r>
-              <a:rPr lang="en-US" altLang="ja-JP" sz="2400" dirty="0" smtClean="0">
-                <a:latin typeface="HGS明朝E" panose="02020900000000000000" pitchFamily="18" charset="-128"/>
-                <a:ea typeface="HGS明朝E" panose="02020900000000000000" pitchFamily="18" charset="-128"/>
-              </a:rPr>
-              <a:t>)</a:t>
-            </a:r>
-            <a:r>
-              <a:rPr lang="en-US" altLang="ja-JP" sz="2400" dirty="0">
-                <a:latin typeface="HGS明朝E" panose="02020900000000000000" pitchFamily="18" charset="-128"/>
-                <a:ea typeface="HGS明朝E" panose="02020900000000000000" pitchFamily="18" charset="-128"/>
-              </a:rPr>
-              <a:t> </a:t>
+              <a:t>(iPhone) </a:t>
             </a:r>
             <a:r>
               <a:rPr lang="en-US" altLang="ja-JP" sz="2400" dirty="0" smtClean="0">
